--- a/materials/slides/ch04/06 HtmlUnit.pptx
+++ b/materials/slides/ch04/06 HtmlUnit.pptx
@@ -5,20 +5,18 @@
     <p:sldMasterId id="2147483660" r:id="rId1"/>
   </p:sldMasterIdLst>
   <p:notesMasterIdLst>
-    <p:notesMasterId r:id="rId13"/>
+    <p:notesMasterId r:id="rId11"/>
   </p:notesMasterIdLst>
   <p:sldIdLst>
-    <p:sldId id="318" r:id="rId2"/>
-    <p:sldId id="256" r:id="rId3"/>
-    <p:sldId id="265" r:id="rId4"/>
-    <p:sldId id="317" r:id="rId5"/>
-    <p:sldId id="313" r:id="rId6"/>
-    <p:sldId id="314" r:id="rId7"/>
-    <p:sldId id="315" r:id="rId8"/>
-    <p:sldId id="319" r:id="rId9"/>
-    <p:sldId id="316" r:id="rId10"/>
-    <p:sldId id="320" r:id="rId11"/>
-    <p:sldId id="321" r:id="rId12"/>
+    <p:sldId id="256" r:id="rId2"/>
+    <p:sldId id="265" r:id="rId3"/>
+    <p:sldId id="317" r:id="rId4"/>
+    <p:sldId id="313" r:id="rId5"/>
+    <p:sldId id="314" r:id="rId6"/>
+    <p:sldId id="315" r:id="rId7"/>
+    <p:sldId id="319" r:id="rId8"/>
+    <p:sldId id="316" r:id="rId9"/>
+    <p:sldId id="320" r:id="rId10"/>
   </p:sldIdLst>
   <p:sldSz cx="9144000" cy="5143500" type="screen16x9"/>
   <p:notesSz cx="6858000" cy="9144000"/>
@@ -202,7 +200,7 @@
           <a:p>
             <a:fld id="{E45DE43E-AE57-4683-A429-3F46F1978ACA}" type="datetimeFigureOut">
               <a:rPr lang="zh-CN" altLang="en-US" smtClean="0"/>
-              <a:t>2019/8/27</a:t>
+              <a:t>2019/9/16</a:t>
             </a:fld>
             <a:endParaRPr lang="zh-CN" altLang="en-US"/>
           </a:p>
@@ -552,7 +550,7 @@
           <a:p>
             <a:fld id="{9FE46159-298F-49F6-A69B-FA3570BA1A21}" type="slidenum">
               <a:rPr lang="zh-CN" altLang="en-US" smtClean="0"/>
-              <a:t>3</a:t>
+              <a:t>2</a:t>
             </a:fld>
             <a:endParaRPr lang="zh-CN" altLang="en-US"/>
           </a:p>
@@ -636,7 +634,7 @@
           <a:p>
             <a:fld id="{9FE46159-298F-49F6-A69B-FA3570BA1A21}" type="slidenum">
               <a:rPr lang="zh-CN" altLang="en-US" smtClean="0"/>
-              <a:t>6</a:t>
+              <a:t>5</a:t>
             </a:fld>
             <a:endParaRPr lang="zh-CN" altLang="en-US"/>
           </a:p>
@@ -689,7 +687,7 @@
           <a:p>
             <a:fld id="{530820CF-B880-4189-942D-D702A7CBA730}" type="datetimeFigureOut">
               <a:rPr lang="zh-CN" altLang="en-US" smtClean="0"/>
-              <a:t>2019/8/27</a:t>
+              <a:t>2019/9/16</a:t>
             </a:fld>
             <a:endParaRPr lang="zh-CN" altLang="en-US"/>
           </a:p>
@@ -1087,7 +1085,7 @@
           <a:p>
             <a:fld id="{530820CF-B880-4189-942D-D702A7CBA730}" type="datetimeFigureOut">
               <a:rPr lang="zh-CN" altLang="en-US" smtClean="0"/>
-              <a:t>2019/8/27</a:t>
+              <a:t>2019/9/16</a:t>
             </a:fld>
             <a:endParaRPr lang="zh-CN" altLang="en-US"/>
           </a:p>
@@ -1633,7 +1631,7 @@
           <a:p>
             <a:fld id="{530820CF-B880-4189-942D-D702A7CBA730}" type="datetimeFigureOut">
               <a:rPr lang="zh-CN" altLang="en-US" smtClean="0"/>
-              <a:t>2019/8/27</a:t>
+              <a:t>2019/9/16</a:t>
             </a:fld>
             <a:endParaRPr lang="zh-CN" altLang="en-US"/>
           </a:p>
@@ -1997,12 +1995,12 @@
       </p:grpSpPr>
       <p:sp>
         <p:nvSpPr>
-          <p:cNvPr id="2" name="内容占位符 1"/>
-          <p:cNvSpPr>
-            <a:spLocks noGrp="1"/>
-          </p:cNvSpPr>
-          <p:nvPr>
-            <p:ph idx="1"/>
+          <p:cNvPr id="2" name="标题 1"/>
+          <p:cNvSpPr>
+            <a:spLocks noGrp="1"/>
+          </p:cNvSpPr>
+          <p:nvPr>
+            <p:ph type="ctrTitle"/>
           </p:nvPr>
         </p:nvSpPr>
         <p:spPr/>
@@ -2011,40 +2009,12 @@
           <a:lstStyle/>
           <a:p>
             <a:r>
-              <a:rPr lang="en-US" altLang="zh-CN" dirty="0" err="1" smtClean="0"/>
-              <a:t>HttpClient</a:t>
-            </a:r>
-            <a:r>
-              <a:rPr lang="en-US" altLang="zh-CN" dirty="0" smtClean="0"/>
-              <a:t>     </a:t>
-            </a:r>
-            <a:r>
-              <a:rPr lang="en-US" altLang="zh-CN" dirty="0" err="1" smtClean="0"/>
-              <a:t>HTMLUnit</a:t>
-            </a:r>
-            <a:endParaRPr lang="en-US" altLang="zh-CN" dirty="0" smtClean="0"/>
-          </a:p>
-          <a:p>
-            <a:r>
-              <a:rPr lang="en-US" altLang="zh-CN" dirty="0" err="1" smtClean="0"/>
-              <a:t>JSON</a:t>
-            </a:r>
-            <a:r>
-              <a:rPr lang="en-US" altLang="zh-CN" dirty="0" smtClean="0"/>
-              <a:t>-lib</a:t>
-            </a:r>
-          </a:p>
-          <a:p>
-            <a:r>
-              <a:rPr lang="en-US" altLang="zh-CN" dirty="0" err="1" smtClean="0"/>
-              <a:t>TestNG</a:t>
-            </a:r>
-            <a:endParaRPr lang="en-US" altLang="zh-CN" dirty="0" smtClean="0"/>
-          </a:p>
-          <a:p>
-            <a:r>
-              <a:rPr lang="en-US" altLang="zh-CN" dirty="0" smtClean="0"/>
-              <a:t>apache poi</a:t>
+              <a:rPr lang="zh-CN" altLang="en-US" dirty="0"/>
+              <a:t>接口测试</a:t>
+            </a:r>
+            <a:r>
+              <a:rPr lang="zh-CN" altLang="en-US" dirty="0" smtClean="0"/>
+              <a:t>自动化基础</a:t>
             </a:r>
             <a:endParaRPr lang="zh-CN" altLang="en-US" dirty="0"/>
           </a:p>
@@ -2052,29 +2022,44 @@
       </p:sp>
       <p:sp>
         <p:nvSpPr>
-          <p:cNvPr id="3" name="标题 2"/>
-          <p:cNvSpPr>
-            <a:spLocks noGrp="1"/>
-          </p:cNvSpPr>
-          <p:nvPr>
-            <p:ph type="title"/>
-          </p:nvPr>
-        </p:nvSpPr>
-        <p:spPr/>
-        <p:txBody>
-          <a:bodyPr>
-            <a:normAutofit fontScale="90000"/>
-          </a:bodyPr>
+          <p:cNvPr id="3" name="副标题 2"/>
+          <p:cNvSpPr>
+            <a:spLocks noGrp="1"/>
+          </p:cNvSpPr>
+          <p:nvPr>
+            <p:ph type="subTitle" idx="1"/>
+          </p:nvPr>
+        </p:nvSpPr>
+        <p:spPr>
+          <a:xfrm>
+            <a:off x="2987824" y="3003798"/>
+            <a:ext cx="6400800" cy="1314450"/>
+          </a:xfrm>
+        </p:spPr>
+        <p:txBody>
+          <a:bodyPr/>
           <a:lstStyle/>
           <a:p>
-            <a:endParaRPr lang="zh-CN" altLang="en-US"/>
+            <a:r>
+              <a:rPr lang="en-US" altLang="zh-CN" dirty="0" err="1" smtClean="0">
+                <a:solidFill>
+                  <a:schemeClr val="bg1"/>
+                </a:solidFill>
+              </a:rPr>
+              <a:t>HtmlUnit</a:t>
+            </a:r>
+            <a:endParaRPr lang="zh-CN" altLang="en-US" dirty="0">
+              <a:solidFill>
+                <a:schemeClr val="bg1"/>
+              </a:solidFill>
+            </a:endParaRPr>
           </a:p>
         </p:txBody>
       </p:sp>
     </p:spTree>
     <p:extLst>
       <p:ext uri="{BB962C8B-B14F-4D97-AF65-F5344CB8AC3E}">
-        <p14:creationId xmlns:p14="http://schemas.microsoft.com/office/powerpoint/2010/main" val="2306713518"/>
+        <p14:creationId xmlns:p14="http://schemas.microsoft.com/office/powerpoint/2010/main" val="1724483483"/>
       </p:ext>
     </p:extLst>
   </p:cSld>
@@ -2088,316 +2073,6 @@
       </p:par>
     </p:tnLst>
   </p:timing>
-</p:sld>
-</file>
-
-<file path=ppt/slides/slide10.xml><?xml version="1.0" encoding="utf-8"?>
-<p:sld xmlns:a="http://schemas.openxmlformats.org/drawingml/2006/main" xmlns:r="http://schemas.openxmlformats.org/officeDocument/2006/relationships" xmlns:p="http://schemas.openxmlformats.org/presentationml/2006/main">
-  <p:cSld>
-    <p:spTree>
-      <p:nvGrpSpPr>
-        <p:cNvPr id="1" name=""/>
-        <p:cNvGrpSpPr/>
-        <p:nvPr/>
-      </p:nvGrpSpPr>
-      <p:grpSpPr>
-        <a:xfrm>
-          <a:off x="0" y="0"/>
-          <a:ext cx="0" cy="0"/>
-          <a:chOff x="0" y="0"/>
-          <a:chExt cx="0" cy="0"/>
-        </a:xfrm>
-      </p:grpSpPr>
-      <p:sp>
-        <p:nvSpPr>
-          <p:cNvPr id="2" name="内容占位符 1"/>
-          <p:cNvSpPr>
-            <a:spLocks noGrp="1"/>
-          </p:cNvSpPr>
-          <p:nvPr>
-            <p:ph idx="1"/>
-          </p:nvPr>
-        </p:nvSpPr>
-        <p:spPr/>
-        <p:txBody>
-          <a:bodyPr>
-            <a:noAutofit/>
-          </a:bodyPr>
-          <a:lstStyle/>
-          <a:p>
-            <a:pPr marL="0" indent="0">
-              <a:buNone/>
-            </a:pPr>
-            <a:r>
-              <a:rPr lang="en-US" altLang="zh-CN" sz="2400" dirty="0"/>
-              <a:t>List list=new </a:t>
-            </a:r>
-            <a:r>
-              <a:rPr lang="en-US" altLang="zh-CN" sz="2400" dirty="0" err="1"/>
-              <a:t>ArrayList</a:t>
-            </a:r>
-            <a:r>
-              <a:rPr lang="en-US" altLang="zh-CN" sz="2400" dirty="0"/>
-              <a:t>();</a:t>
-            </a:r>
-          </a:p>
-          <a:p>
-            <a:pPr marL="0" indent="0">
-              <a:buNone/>
-            </a:pPr>
-            <a:r>
-              <a:rPr lang="en-US" altLang="zh-CN" sz="2400" dirty="0"/>
-              <a:t>for(Entry&lt;String, String&gt; entry :  </a:t>
-            </a:r>
-            <a:r>
-              <a:rPr lang="en-US" altLang="zh-CN" sz="2400" dirty="0" err="1"/>
-              <a:t>paramMap.entrySet</a:t>
-            </a:r>
-            <a:r>
-              <a:rPr lang="en-US" altLang="zh-CN" sz="2400" dirty="0"/>
-              <a:t>()){</a:t>
-            </a:r>
-          </a:p>
-          <a:p>
-            <a:pPr marL="0" indent="0">
-              <a:buNone/>
-            </a:pPr>
-            <a:r>
-              <a:rPr lang="en-US" altLang="zh-CN" sz="2400" dirty="0"/>
-              <a:t>             //</a:t>
-            </a:r>
-            <a:r>
-              <a:rPr lang="en-US" altLang="zh-CN" sz="2400" dirty="0" err="1"/>
-              <a:t>formparams.add</a:t>
-            </a:r>
-            <a:r>
-              <a:rPr lang="en-US" altLang="zh-CN" sz="2400" dirty="0"/>
-              <a:t>(p);</a:t>
-            </a:r>
-          </a:p>
-          <a:p>
-            <a:pPr marL="0" indent="0">
-              <a:buNone/>
-            </a:pPr>
-            <a:r>
-              <a:rPr lang="en-US" altLang="zh-CN" sz="2400" dirty="0" err="1"/>
-              <a:t>NameValuePair</a:t>
-            </a:r>
-            <a:r>
-              <a:rPr lang="en-US" altLang="zh-CN" sz="2400" dirty="0"/>
-              <a:t> </a:t>
-            </a:r>
-            <a:r>
-              <a:rPr lang="en-US" altLang="zh-CN" sz="2400" dirty="0" err="1"/>
-              <a:t>param</a:t>
-            </a:r>
-            <a:r>
-              <a:rPr lang="en-US" altLang="zh-CN" sz="2400" dirty="0"/>
-              <a:t>=new </a:t>
-            </a:r>
-            <a:r>
-              <a:rPr lang="en-US" altLang="zh-CN" sz="2400" dirty="0" err="1"/>
-              <a:t>NameValuePair</a:t>
-            </a:r>
-            <a:r>
-              <a:rPr lang="en-US" altLang="zh-CN" sz="2400" dirty="0"/>
-              <a:t>(</a:t>
-            </a:r>
-            <a:r>
-              <a:rPr lang="en-US" altLang="zh-CN" sz="2400" dirty="0" err="1"/>
-              <a:t>entry.getKey</a:t>
-            </a:r>
-            <a:r>
-              <a:rPr lang="en-US" altLang="zh-CN" sz="2400" dirty="0"/>
-              <a:t>(),</a:t>
-            </a:r>
-            <a:r>
-              <a:rPr lang="en-US" altLang="zh-CN" sz="2400" dirty="0" err="1"/>
-              <a:t>entry.getValue</a:t>
-            </a:r>
-            <a:r>
-              <a:rPr lang="en-US" altLang="zh-CN" sz="2400" dirty="0"/>
-              <a:t>());</a:t>
-            </a:r>
-          </a:p>
-          <a:p>
-            <a:pPr marL="0" indent="0">
-              <a:buNone/>
-            </a:pPr>
-            <a:r>
-              <a:rPr lang="en-US" altLang="zh-CN" sz="2400" dirty="0" err="1"/>
-              <a:t>list.add</a:t>
-            </a:r>
-            <a:r>
-              <a:rPr lang="en-US" altLang="zh-CN" sz="2400" dirty="0"/>
-              <a:t>(</a:t>
-            </a:r>
-            <a:r>
-              <a:rPr lang="en-US" altLang="zh-CN" sz="2400" dirty="0" err="1"/>
-              <a:t>param</a:t>
-            </a:r>
-            <a:r>
-              <a:rPr lang="en-US" altLang="zh-CN" sz="2400" dirty="0"/>
-              <a:t>);</a:t>
-            </a:r>
-          </a:p>
-          <a:p>
-            <a:pPr marL="0" indent="0">
-              <a:buNone/>
-            </a:pPr>
-            <a:r>
-              <a:rPr lang="zh-CN" altLang="en-US" sz="2400" dirty="0"/>
-              <a:t>        </a:t>
-            </a:r>
-            <a:r>
-              <a:rPr lang="en-US" altLang="zh-CN" sz="2400" dirty="0"/>
-              <a:t>}</a:t>
-            </a:r>
-          </a:p>
-          <a:p>
-            <a:pPr marL="0" indent="0">
-              <a:buNone/>
-            </a:pPr>
-            <a:r>
-              <a:rPr lang="en-US" altLang="zh-CN" sz="2400" dirty="0" err="1"/>
-              <a:t>request.setRequestParameters</a:t>
-            </a:r>
-            <a:r>
-              <a:rPr lang="en-US" altLang="zh-CN" sz="2400" dirty="0"/>
-              <a:t>(list);</a:t>
-            </a:r>
-            <a:endParaRPr lang="zh-CN" altLang="en-US" sz="2400" dirty="0"/>
-          </a:p>
-        </p:txBody>
-      </p:sp>
-      <p:sp>
-        <p:nvSpPr>
-          <p:cNvPr id="3" name="标题 2"/>
-          <p:cNvSpPr>
-            <a:spLocks noGrp="1"/>
-          </p:cNvSpPr>
-          <p:nvPr>
-            <p:ph type="title"/>
-          </p:nvPr>
-        </p:nvSpPr>
-        <p:spPr/>
-        <p:txBody>
-          <a:bodyPr>
-            <a:normAutofit fontScale="90000"/>
-          </a:bodyPr>
-          <a:lstStyle/>
-          <a:p>
-            <a:endParaRPr lang="zh-CN" altLang="en-US"/>
-          </a:p>
-        </p:txBody>
-      </p:sp>
-    </p:spTree>
-    <p:extLst>
-      <p:ext uri="{BB962C8B-B14F-4D97-AF65-F5344CB8AC3E}">
-        <p14:creationId xmlns:p14="http://schemas.microsoft.com/office/powerpoint/2010/main" val="767438906"/>
-      </p:ext>
-    </p:extLst>
-  </p:cSld>
-  <p:clrMapOvr>
-    <a:masterClrMapping/>
-  </p:clrMapOvr>
-</p:sld>
-</file>
-
-<file path=ppt/slides/slide11.xml><?xml version="1.0" encoding="utf-8"?>
-<p:sld xmlns:a="http://schemas.openxmlformats.org/drawingml/2006/main" xmlns:r="http://schemas.openxmlformats.org/officeDocument/2006/relationships" xmlns:p="http://schemas.openxmlformats.org/presentationml/2006/main">
-  <p:cSld>
-    <p:spTree>
-      <p:nvGrpSpPr>
-        <p:cNvPr id="1" name=""/>
-        <p:cNvGrpSpPr/>
-        <p:nvPr/>
-      </p:nvGrpSpPr>
-      <p:grpSpPr>
-        <a:xfrm>
-          <a:off x="0" y="0"/>
-          <a:ext cx="0" cy="0"/>
-          <a:chOff x="0" y="0"/>
-          <a:chExt cx="0" cy="0"/>
-        </a:xfrm>
-      </p:grpSpPr>
-      <p:sp>
-        <p:nvSpPr>
-          <p:cNvPr id="2" name="内容占位符 1"/>
-          <p:cNvSpPr>
-            <a:spLocks noGrp="1"/>
-          </p:cNvSpPr>
-          <p:nvPr>
-            <p:ph idx="1"/>
-          </p:nvPr>
-        </p:nvSpPr>
-        <p:spPr/>
-        <p:txBody>
-          <a:bodyPr/>
-          <a:lstStyle/>
-          <a:p>
-            <a:r>
-              <a:rPr lang="en-US" altLang="zh-CN" dirty="0" smtClean="0"/>
-              <a:t>post</a:t>
-            </a:r>
-            <a:r>
-              <a:rPr lang="zh-CN" altLang="en-US" dirty="0" smtClean="0"/>
-              <a:t>默认 </a:t>
-            </a:r>
-            <a:endParaRPr lang="en-US" altLang="zh-CN" dirty="0" smtClean="0"/>
-          </a:p>
-          <a:p>
-            <a:r>
-              <a:rPr lang="en-US" altLang="zh-CN" dirty="0"/>
-              <a:t>"application/x-</a:t>
-            </a:r>
-            <a:r>
-              <a:rPr lang="en-US" altLang="zh-CN" u="sng" dirty="0"/>
-              <a:t>www-form-</a:t>
-            </a:r>
-            <a:r>
-              <a:rPr lang="en-US" altLang="zh-CN" u="sng" dirty="0" err="1"/>
-              <a:t>urlencoded</a:t>
-            </a:r>
-            <a:r>
-              <a:rPr lang="en-US" altLang="zh-CN" u="sng" dirty="0"/>
-              <a:t>"</a:t>
-            </a:r>
-            <a:endParaRPr lang="zh-CN" altLang="en-US" dirty="0"/>
-          </a:p>
-        </p:txBody>
-      </p:sp>
-      <p:sp>
-        <p:nvSpPr>
-          <p:cNvPr id="3" name="标题 2"/>
-          <p:cNvSpPr>
-            <a:spLocks noGrp="1"/>
-          </p:cNvSpPr>
-          <p:nvPr>
-            <p:ph type="title"/>
-          </p:nvPr>
-        </p:nvSpPr>
-        <p:spPr/>
-        <p:txBody>
-          <a:bodyPr>
-            <a:normAutofit fontScale="90000"/>
-          </a:bodyPr>
-          <a:lstStyle/>
-          <a:p>
-            <a:endParaRPr lang="zh-CN" altLang="en-US"/>
-          </a:p>
-        </p:txBody>
-      </p:sp>
-    </p:spTree>
-    <p:extLst>
-      <p:ext uri="{BB962C8B-B14F-4D97-AF65-F5344CB8AC3E}">
-        <p14:creationId xmlns:p14="http://schemas.microsoft.com/office/powerpoint/2010/main" val="1770401619"/>
-      </p:ext>
-    </p:extLst>
-  </p:cSld>
-  <p:clrMapOvr>
-    <a:masterClrMapping/>
-  </p:clrMapOvr>
 </p:sld>
 </file>
 
@@ -2420,106 +2095,6 @@
       </p:grpSpPr>
       <p:sp>
         <p:nvSpPr>
-          <p:cNvPr id="2" name="标题 1"/>
-          <p:cNvSpPr>
-            <a:spLocks noGrp="1"/>
-          </p:cNvSpPr>
-          <p:nvPr>
-            <p:ph type="ctrTitle"/>
-          </p:nvPr>
-        </p:nvSpPr>
-        <p:spPr/>
-        <p:txBody>
-          <a:bodyPr/>
-          <a:lstStyle/>
-          <a:p>
-            <a:r>
-              <a:rPr lang="zh-CN" altLang="en-US" dirty="0"/>
-              <a:t>接口测试</a:t>
-            </a:r>
-            <a:r>
-              <a:rPr lang="zh-CN" altLang="en-US" dirty="0" smtClean="0"/>
-              <a:t>自动化基础</a:t>
-            </a:r>
-            <a:endParaRPr lang="zh-CN" altLang="en-US" dirty="0"/>
-          </a:p>
-        </p:txBody>
-      </p:sp>
-      <p:sp>
-        <p:nvSpPr>
-          <p:cNvPr id="3" name="副标题 2"/>
-          <p:cNvSpPr>
-            <a:spLocks noGrp="1"/>
-          </p:cNvSpPr>
-          <p:nvPr>
-            <p:ph type="subTitle" idx="1"/>
-          </p:nvPr>
-        </p:nvSpPr>
-        <p:spPr>
-          <a:xfrm>
-            <a:off x="2987824" y="3003798"/>
-            <a:ext cx="6400800" cy="1314450"/>
-          </a:xfrm>
-        </p:spPr>
-        <p:txBody>
-          <a:bodyPr/>
-          <a:lstStyle/>
-          <a:p>
-            <a:r>
-              <a:rPr lang="en-US" altLang="zh-CN" dirty="0" err="1" smtClean="0">
-                <a:solidFill>
-                  <a:schemeClr val="bg1"/>
-                </a:solidFill>
-              </a:rPr>
-              <a:t>HtmlUnit</a:t>
-            </a:r>
-            <a:endParaRPr lang="zh-CN" altLang="en-US" dirty="0">
-              <a:solidFill>
-                <a:schemeClr val="bg1"/>
-              </a:solidFill>
-            </a:endParaRPr>
-          </a:p>
-        </p:txBody>
-      </p:sp>
-    </p:spTree>
-    <p:extLst>
-      <p:ext uri="{BB962C8B-B14F-4D97-AF65-F5344CB8AC3E}">
-        <p14:creationId xmlns:p14="http://schemas.microsoft.com/office/powerpoint/2010/main" val="1724483483"/>
-      </p:ext>
-    </p:extLst>
-  </p:cSld>
-  <p:clrMapOvr>
-    <a:masterClrMapping/>
-  </p:clrMapOvr>
-  <p:timing>
-    <p:tnLst>
-      <p:par>
-        <p:cTn id="1" dur="indefinite" restart="never" nodeType="tmRoot"/>
-      </p:par>
-    </p:tnLst>
-  </p:timing>
-</p:sld>
-</file>
-
-<file path=ppt/slides/slide3.xml><?xml version="1.0" encoding="utf-8"?>
-<p:sld xmlns:a="http://schemas.openxmlformats.org/drawingml/2006/main" xmlns:r="http://schemas.openxmlformats.org/officeDocument/2006/relationships" xmlns:p="http://schemas.openxmlformats.org/presentationml/2006/main">
-  <p:cSld>
-    <p:spTree>
-      <p:nvGrpSpPr>
-        <p:cNvPr id="1" name=""/>
-        <p:cNvGrpSpPr/>
-        <p:nvPr/>
-      </p:nvGrpSpPr>
-      <p:grpSpPr>
-        <a:xfrm>
-          <a:off x="0" y="0"/>
-          <a:ext cx="0" cy="0"/>
-          <a:chOff x="0" y="0"/>
-          <a:chExt cx="0" cy="0"/>
-        </a:xfrm>
-      </p:grpSpPr>
-      <p:sp>
-        <p:nvSpPr>
           <p:cNvPr id="2" name="内容占位符 1"/>
           <p:cNvSpPr>
             <a:spLocks noGrp="1"/>
@@ -2577,8 +2152,8 @@
               <a:t>是</a:t>
             </a:r>
             <a:r>
-              <a:rPr lang="en-US" altLang="zh-CN" sz="2200" dirty="0" err="1"/>
-              <a:t>Junit</a:t>
+              <a:rPr lang="en-US" altLang="zh-CN" sz="2200" dirty="0" err="1" smtClean="0"/>
+              <a:t>JUnit</a:t>
             </a:r>
             <a:r>
               <a:rPr lang="zh-CN" altLang="en-US" sz="2200" dirty="0"/>
@@ -2654,8 +2229,25 @@
             </a:r>
             <a:r>
               <a:rPr lang="zh-CN" altLang="en-US" sz="2200" dirty="0"/>
-              <a:t>的支持也比较好。</a:t>
-            </a:r>
+              <a:t>的支持也比较好</a:t>
+            </a:r>
+            <a:r>
+              <a:rPr lang="zh-CN" altLang="en-US" sz="2200" dirty="0" smtClean="0"/>
+              <a:t>。</a:t>
+            </a:r>
+            <a:endParaRPr lang="en-US" altLang="zh-CN" sz="2200" dirty="0" smtClean="0"/>
+          </a:p>
+          <a:p>
+            <a:pPr marL="0" indent="0">
+              <a:lnSpc>
+                <a:spcPct val="150000"/>
+              </a:lnSpc>
+              <a:spcBef>
+                <a:spcPts val="0"/>
+              </a:spcBef>
+              <a:buNone/>
+            </a:pPr>
+            <a:endParaRPr lang="zh-CN" altLang="en-US" sz="2200" dirty="0"/>
           </a:p>
         </p:txBody>
       </p:sp>
@@ -2704,7 +2296,7 @@
 </p:sld>
 </file>
 
-<file path=ppt/slides/slide4.xml><?xml version="1.0" encoding="utf-8"?>
+<file path=ppt/slides/slide3.xml><?xml version="1.0" encoding="utf-8"?>
 <p:sld xmlns:a="http://schemas.openxmlformats.org/drawingml/2006/main" xmlns:r="http://schemas.openxmlformats.org/officeDocument/2006/relationships" xmlns:p="http://schemas.openxmlformats.org/presentationml/2006/main">
   <p:cSld>
     <p:spTree>
@@ -2830,7 +2422,7 @@
 </p:sld>
 </file>
 
-<file path=ppt/slides/slide5.xml><?xml version="1.0" encoding="utf-8"?>
+<file path=ppt/slides/slide4.xml><?xml version="1.0" encoding="utf-8"?>
 <p:sld xmlns:a="http://schemas.openxmlformats.org/drawingml/2006/main" xmlns:r="http://schemas.openxmlformats.org/officeDocument/2006/relationships" xmlns:p="http://schemas.openxmlformats.org/presentationml/2006/main">
   <p:cSld>
     <p:spTree>
@@ -2979,7 +2571,7 @@
 </p:sld>
 </file>
 
-<file path=ppt/slides/slide6.xml><?xml version="1.0" encoding="utf-8"?>
+<file path=ppt/slides/slide5.xml><?xml version="1.0" encoding="utf-8"?>
 <p:sld xmlns:a="http://schemas.openxmlformats.org/drawingml/2006/main" xmlns:r="http://schemas.openxmlformats.org/officeDocument/2006/relationships" xmlns:p="http://schemas.openxmlformats.org/presentationml/2006/main">
   <p:cSld>
     <p:spTree>
@@ -3109,6 +2701,183 @@
 </p:sld>
 </file>
 
+<file path=ppt/slides/slide6.xml><?xml version="1.0" encoding="utf-8"?>
+<p:sld xmlns:a="http://schemas.openxmlformats.org/drawingml/2006/main" xmlns:r="http://schemas.openxmlformats.org/officeDocument/2006/relationships" xmlns:p="http://schemas.openxmlformats.org/presentationml/2006/main">
+  <p:cSld>
+    <p:spTree>
+      <p:nvGrpSpPr>
+        <p:cNvPr id="1" name=""/>
+        <p:cNvGrpSpPr/>
+        <p:nvPr/>
+      </p:nvGrpSpPr>
+      <p:grpSpPr>
+        <a:xfrm>
+          <a:off x="0" y="0"/>
+          <a:ext cx="0" cy="0"/>
+          <a:chOff x="0" y="0"/>
+          <a:chExt cx="0" cy="0"/>
+        </a:xfrm>
+      </p:grpSpPr>
+      <p:sp>
+        <p:nvSpPr>
+          <p:cNvPr id="2" name="内容占位符 1"/>
+          <p:cNvSpPr>
+            <a:spLocks noGrp="1"/>
+          </p:cNvSpPr>
+          <p:nvPr>
+            <p:ph idx="1"/>
+          </p:nvPr>
+        </p:nvSpPr>
+        <p:spPr/>
+        <p:txBody>
+          <a:bodyPr/>
+          <a:lstStyle/>
+          <a:p>
+            <a:r>
+              <a:rPr lang="zh-CN" altLang="en-US" dirty="0" smtClean="0"/>
+              <a:t>如果请求的参数是</a:t>
+            </a:r>
+            <a:r>
+              <a:rPr lang="en-US" altLang="zh-CN" dirty="0" err="1" smtClean="0"/>
+              <a:t>JSON</a:t>
+            </a:r>
+            <a:r>
+              <a:rPr lang="zh-CN" altLang="en-US" dirty="0" smtClean="0"/>
+              <a:t>，怎么处理？</a:t>
+            </a:r>
+            <a:endParaRPr lang="en-US" altLang="zh-CN" dirty="0" smtClean="0"/>
+          </a:p>
+          <a:p>
+            <a:r>
+              <a:rPr lang="zh-CN" altLang="en-US" dirty="0" smtClean="0"/>
+              <a:t>封装</a:t>
+            </a:r>
+            <a:r>
+              <a:rPr lang="en-US" altLang="zh-CN" dirty="0" smtClean="0"/>
+              <a:t>get</a:t>
+            </a:r>
+            <a:r>
+              <a:rPr lang="zh-CN" altLang="en-US" dirty="0" smtClean="0"/>
+              <a:t>方法为</a:t>
+            </a:r>
+            <a:r>
+              <a:rPr lang="en-US" altLang="zh-CN" dirty="0" err="1" smtClean="0"/>
+              <a:t>doGet</a:t>
+            </a:r>
+            <a:r>
+              <a:rPr lang="en-US" altLang="zh-CN" dirty="0" smtClean="0"/>
+              <a:t>(String </a:t>
+            </a:r>
+            <a:r>
+              <a:rPr lang="en-US" altLang="zh-CN" dirty="0" err="1" smtClean="0"/>
+              <a:t>url,Map</a:t>
+            </a:r>
+            <a:r>
+              <a:rPr lang="en-US" altLang="zh-CN" dirty="0" smtClean="0"/>
+              <a:t> </a:t>
+            </a:r>
+            <a:r>
+              <a:rPr lang="en-US" altLang="zh-CN" dirty="0" err="1" smtClean="0"/>
+              <a:t>para</a:t>
+            </a:r>
+            <a:r>
+              <a:rPr lang="en-US" altLang="zh-CN" dirty="0" smtClean="0"/>
+              <a:t>)</a:t>
+            </a:r>
+          </a:p>
+          <a:p>
+            <a:r>
+              <a:rPr lang="zh-CN" altLang="en-US" dirty="0" smtClean="0"/>
+              <a:t>封装</a:t>
+            </a:r>
+            <a:r>
+              <a:rPr lang="en-US" altLang="zh-CN" dirty="0" smtClean="0"/>
+              <a:t>post</a:t>
+            </a:r>
+            <a:r>
+              <a:rPr lang="zh-CN" altLang="en-US" dirty="0" smtClean="0"/>
+              <a:t>方法</a:t>
+            </a:r>
+            <a:r>
+              <a:rPr lang="zh-CN" altLang="en-US" dirty="0"/>
+              <a:t>为</a:t>
+            </a:r>
+            <a:r>
+              <a:rPr lang="en-US" altLang="zh-CN" dirty="0" err="1" smtClean="0"/>
+              <a:t>doPost</a:t>
+            </a:r>
+            <a:r>
+              <a:rPr lang="en-US" altLang="zh-CN" dirty="0" smtClean="0"/>
+              <a:t>(String </a:t>
+            </a:r>
+            <a:r>
+              <a:rPr lang="en-US" altLang="zh-CN" dirty="0" err="1" smtClean="0"/>
+              <a:t>url,JSONObject</a:t>
+            </a:r>
+            <a:r>
+              <a:rPr lang="en-US" altLang="zh-CN" dirty="0" smtClean="0"/>
+              <a:t> </a:t>
+            </a:r>
+            <a:r>
+              <a:rPr lang="en-US" altLang="zh-CN" dirty="0" err="1"/>
+              <a:t>para</a:t>
+            </a:r>
+            <a:r>
+              <a:rPr lang="en-US" altLang="zh-CN" dirty="0"/>
+              <a:t>)</a:t>
+            </a:r>
+            <a:endParaRPr lang="zh-CN" altLang="en-US" dirty="0"/>
+          </a:p>
+          <a:p>
+            <a:endParaRPr lang="zh-CN" altLang="en-US" dirty="0"/>
+          </a:p>
+        </p:txBody>
+      </p:sp>
+      <p:sp>
+        <p:nvSpPr>
+          <p:cNvPr id="3" name="标题 2"/>
+          <p:cNvSpPr>
+            <a:spLocks noGrp="1"/>
+          </p:cNvSpPr>
+          <p:nvPr>
+            <p:ph type="title"/>
+          </p:nvPr>
+        </p:nvSpPr>
+        <p:spPr/>
+        <p:txBody>
+          <a:bodyPr>
+            <a:normAutofit fontScale="90000"/>
+          </a:bodyPr>
+          <a:lstStyle/>
+          <a:p>
+            <a:r>
+              <a:rPr lang="zh-CN" altLang="en-US" dirty="0" smtClean="0"/>
+              <a:t>思考</a:t>
+            </a:r>
+            <a:endParaRPr lang="zh-CN" altLang="en-US" dirty="0"/>
+          </a:p>
+        </p:txBody>
+      </p:sp>
+    </p:spTree>
+    <p:extLst>
+      <p:ext uri="{BB962C8B-B14F-4D97-AF65-F5344CB8AC3E}">
+        <p14:creationId xmlns:p14="http://schemas.microsoft.com/office/powerpoint/2010/main" val="63537846"/>
+      </p:ext>
+    </p:extLst>
+  </p:cSld>
+  <p:clrMapOvr>
+    <a:masterClrMapping/>
+  </p:clrMapOvr>
+  <p:timing>
+    <p:tnLst>
+      <p:par>
+        <p:cTn id="1" dur="indefinite" restart="never" nodeType="tmRoot"/>
+      </p:par>
+    </p:tnLst>
+  </p:timing>
+</p:sld>
+</file>
+
 <file path=ppt/slides/slide7.xml><?xml version="1.0" encoding="utf-8"?>
 <p:sld xmlns:a="http://schemas.openxmlformats.org/drawingml/2006/main" xmlns:r="http://schemas.openxmlformats.org/officeDocument/2006/relationships" xmlns:p="http://schemas.openxmlformats.org/presentationml/2006/main">
   <p:cSld>
@@ -3142,101 +2911,39 @@
           <a:lstStyle/>
           <a:p>
             <a:r>
+              <a:rPr lang="en-US" altLang="zh-CN" dirty="0" smtClean="0"/>
+              <a:t>Get</a:t>
+            </a:r>
+            <a:r>
               <a:rPr lang="zh-CN" altLang="en-US" dirty="0" smtClean="0"/>
-              <a:t>如果请求的参数是</a:t>
-            </a:r>
-            <a:r>
-              <a:rPr lang="en-US" altLang="zh-CN" dirty="0" err="1" smtClean="0"/>
-              <a:t>JSON</a:t>
+              <a:t>参数</a:t>
+            </a:r>
+            <a:endParaRPr lang="en-US" altLang="zh-CN" dirty="0" smtClean="0"/>
+          </a:p>
+          <a:p>
+            <a:pPr marL="0" indent="0">
+              <a:buNone/>
+            </a:pPr>
+            <a:r>
+              <a:rPr lang="en-US" altLang="zh-CN" dirty="0" smtClean="0"/>
+              <a:t>id=1</a:t>
             </a:r>
             <a:r>
               <a:rPr lang="zh-CN" altLang="en-US" dirty="0" smtClean="0"/>
-              <a:t>，怎么处理？</a:t>
-            </a:r>
-            <a:endParaRPr lang="en-US" altLang="zh-CN" dirty="0" smtClean="0"/>
-          </a:p>
-          <a:p>
+              <a:t>或者</a:t>
+            </a:r>
+            <a:r>
+              <a:rPr lang="en-US" altLang="zh-CN" dirty="0" err="1"/>
+              <a:t>goodsCode</a:t>
+            </a:r>
+            <a:r>
+              <a:rPr lang="en-US" altLang="zh-CN" dirty="0" smtClean="0"/>
+              <a:t>={“pId”:“123456”}</a:t>
+            </a:r>
             <a:r>
               <a:rPr lang="zh-CN" altLang="en-US" dirty="0" smtClean="0"/>
-              <a:t>封装</a:t>
-            </a:r>
-            <a:r>
-              <a:rPr lang="en-US" altLang="zh-CN" dirty="0" smtClean="0"/>
-              <a:t>get</a:t>
-            </a:r>
-            <a:r>
-              <a:rPr lang="zh-CN" altLang="en-US" dirty="0" smtClean="0"/>
-              <a:t>方法为</a:t>
-            </a:r>
-            <a:r>
-              <a:rPr lang="en-US" altLang="zh-CN" dirty="0" err="1" smtClean="0"/>
-              <a:t>doGet</a:t>
-            </a:r>
-            <a:r>
-              <a:rPr lang="en-US" altLang="zh-CN" dirty="0" smtClean="0"/>
-              <a:t>(String </a:t>
-            </a:r>
-            <a:r>
-              <a:rPr lang="en-US" altLang="zh-CN" dirty="0" err="1" smtClean="0"/>
-              <a:t>url,Map</a:t>
-            </a:r>
-            <a:r>
-              <a:rPr lang="en-US" altLang="zh-CN" dirty="0" smtClean="0"/>
-              <a:t> </a:t>
-            </a:r>
-            <a:r>
-              <a:rPr lang="en-US" altLang="zh-CN" dirty="0" err="1" smtClean="0"/>
-              <a:t>para</a:t>
-            </a:r>
-            <a:r>
-              <a:rPr lang="en-US" altLang="zh-CN" dirty="0" smtClean="0"/>
-              <a:t>)</a:t>
-            </a:r>
-          </a:p>
-          <a:p>
-            <a:r>
-              <a:rPr lang="zh-CN" altLang="en-US" dirty="0" smtClean="0"/>
-              <a:t>封装</a:t>
-            </a:r>
-            <a:r>
-              <a:rPr lang="en-US" altLang="zh-CN" dirty="0" smtClean="0"/>
-              <a:t>post</a:t>
-            </a:r>
-            <a:r>
-              <a:rPr lang="zh-CN" altLang="en-US" dirty="0" smtClean="0"/>
-              <a:t>方法</a:t>
-            </a:r>
-            <a:r>
-              <a:rPr lang="zh-CN" altLang="en-US" dirty="0"/>
-              <a:t>为</a:t>
-            </a:r>
-            <a:r>
-              <a:rPr lang="en-US" altLang="zh-CN" dirty="0" err="1" smtClean="0"/>
-              <a:t>doPost</a:t>
-            </a:r>
-            <a:r>
-              <a:rPr lang="en-US" altLang="zh-CN" dirty="0" smtClean="0"/>
-              <a:t>(String </a:t>
-            </a:r>
-            <a:r>
-              <a:rPr lang="en-US" altLang="zh-CN" dirty="0" err="1" smtClean="0"/>
-              <a:t>url,JSONObject</a:t>
-            </a:r>
-            <a:r>
-              <a:rPr lang="en-US" altLang="zh-CN" dirty="0" smtClean="0"/>
-              <a:t> </a:t>
-            </a:r>
-            <a:r>
-              <a:rPr lang="en-US" altLang="zh-CN" dirty="0" err="1"/>
-              <a:t>para</a:t>
-            </a:r>
-            <a:r>
-              <a:rPr lang="en-US" altLang="zh-CN" dirty="0"/>
-              <a:t>)</a:t>
-            </a:r>
-            <a:endParaRPr lang="zh-CN" altLang="en-US" dirty="0"/>
-          </a:p>
-          <a:p>
+              <a:t>是没有区别的</a:t>
+            </a:r>
             <a:endParaRPr lang="zh-CN" altLang="en-US" dirty="0"/>
           </a:p>
         </p:txBody>
@@ -3259,8 +2966,8 @@
           <a:lstStyle/>
           <a:p>
             <a:r>
-              <a:rPr lang="zh-CN" altLang="en-US" dirty="0" smtClean="0"/>
-              <a:t>思考</a:t>
+              <a:rPr lang="zh-CN" altLang="en-US" smtClean="0"/>
+              <a:t>注意：</a:t>
             </a:r>
             <a:endParaRPr lang="zh-CN" altLang="en-US" dirty="0"/>
           </a:p>
@@ -3269,7 +2976,7 @@
     </p:spTree>
     <p:extLst>
       <p:ext uri="{BB962C8B-B14F-4D97-AF65-F5344CB8AC3E}">
-        <p14:creationId xmlns:p14="http://schemas.microsoft.com/office/powerpoint/2010/main" val="63537846"/>
+        <p14:creationId xmlns:p14="http://schemas.microsoft.com/office/powerpoint/2010/main" val="1539749203"/>
       </p:ext>
     </p:extLst>
   </p:cSld>
@@ -3315,42 +3022,158 @@
         </p:nvSpPr>
         <p:spPr/>
         <p:txBody>
-          <a:bodyPr/>
+          <a:bodyPr>
+            <a:normAutofit fontScale="77500" lnSpcReduction="20000"/>
+          </a:bodyPr>
           <a:lstStyle/>
           <a:p>
             <a:r>
+              <a:rPr lang="zh-CN" altLang="en-US" dirty="0" smtClean="0"/>
+              <a:t>获得</a:t>
+            </a:r>
+            <a:r>
               <a:rPr lang="en-US" altLang="zh-CN" dirty="0" smtClean="0"/>
-              <a:t>Get</a:t>
-            </a:r>
-            <a:r>
-              <a:rPr lang="zh-CN" altLang="en-US" dirty="0" smtClean="0"/>
-              <a:t>参数</a:t>
-            </a:r>
-            <a:endParaRPr lang="en-US" altLang="zh-CN" dirty="0" smtClean="0"/>
+              <a:t>Cookie</a:t>
+            </a:r>
           </a:p>
           <a:p>
             <a:pPr marL="0" indent="0">
               <a:buNone/>
             </a:pPr>
             <a:r>
+              <a:rPr lang="en-US" altLang="zh-CN" dirty="0"/>
+              <a:t>Set&lt;Cookie&gt; cookies = </a:t>
+            </a:r>
+            <a:r>
               <a:rPr lang="en-US" altLang="zh-CN" dirty="0" smtClean="0"/>
-              <a:t>id=1</a:t>
-            </a:r>
+              <a:t>client1.getCookieManager</a:t>
+            </a:r>
+            <a:r>
+              <a:rPr lang="en-US" altLang="zh-CN" dirty="0"/>
+              <a:t>().</a:t>
+            </a:r>
+            <a:r>
+              <a:rPr lang="en-US" altLang="zh-CN" dirty="0" err="1"/>
+              <a:t>getCookies</a:t>
+            </a:r>
+            <a:r>
+              <a:rPr lang="en-US" altLang="zh-CN" dirty="0" smtClean="0"/>
+              <a:t>();</a:t>
+            </a:r>
+          </a:p>
+          <a:p>
             <a:r>
               <a:rPr lang="zh-CN" altLang="en-US" dirty="0" smtClean="0"/>
-              <a:t>或者</a:t>
+              <a:t>使用</a:t>
+            </a:r>
+            <a:r>
+              <a:rPr lang="en-US" altLang="zh-CN" dirty="0" smtClean="0"/>
+              <a:t>Cookie</a:t>
+            </a:r>
+          </a:p>
+          <a:p>
+            <a:pPr marL="0" indent="0">
+              <a:buNone/>
+            </a:pPr>
+            <a:r>
+              <a:rPr lang="en-US" altLang="zh-CN" dirty="0"/>
+              <a:t>Iterator&lt;Cookie&gt; i </a:t>
+            </a:r>
+            <a:r>
+              <a:rPr lang="en-US" altLang="zh-CN" dirty="0" smtClean="0"/>
+              <a:t>=</a:t>
+            </a:r>
+            <a:r>
+              <a:rPr lang="en-US" altLang="zh-CN" dirty="0"/>
+              <a:t>cookies .</a:t>
+            </a:r>
+            <a:r>
+              <a:rPr lang="en-US" altLang="zh-CN" b="1" dirty="0" smtClean="0"/>
+              <a:t>iterator</a:t>
+            </a:r>
+            <a:r>
+              <a:rPr lang="en-US" altLang="zh-CN" b="1" dirty="0"/>
+              <a:t>();</a:t>
+            </a:r>
+          </a:p>
+          <a:p>
+            <a:pPr marL="0" indent="0">
+              <a:buNone/>
+            </a:pPr>
+            <a:r>
+              <a:rPr lang="en-US" altLang="zh-CN" dirty="0"/>
+              <a:t>        </a:t>
+            </a:r>
+            <a:r>
+              <a:rPr lang="en-US" altLang="zh-CN" b="1" dirty="0"/>
+              <a:t>while (</a:t>
+            </a:r>
+            <a:r>
+              <a:rPr lang="en-US" altLang="zh-CN" b="1" dirty="0" err="1"/>
+              <a:t>i.hasNext</a:t>
+            </a:r>
+            <a:r>
+              <a:rPr lang="en-US" altLang="zh-CN" b="1" dirty="0"/>
+              <a:t>()) </a:t>
+            </a:r>
+          </a:p>
+          <a:p>
+            <a:pPr marL="0" indent="0">
+              <a:buNone/>
+            </a:pPr>
+            <a:r>
+              <a:rPr lang="zh-CN" altLang="en-US" dirty="0"/>
+              <a:t>        </a:t>
+            </a:r>
+            <a:r>
+              <a:rPr lang="en-US" altLang="zh-CN" dirty="0"/>
+              <a:t>{</a:t>
+            </a:r>
+          </a:p>
+          <a:p>
+            <a:pPr marL="0" indent="0">
+              <a:buNone/>
+            </a:pPr>
+            <a:r>
+              <a:rPr lang="en-US" altLang="zh-CN" dirty="0"/>
+              <a:t>        </a:t>
+            </a:r>
+            <a:r>
+              <a:rPr lang="en-US" altLang="zh-CN" dirty="0" smtClean="0"/>
+              <a:t>client2.getCookieManager</a:t>
+            </a:r>
+            <a:r>
+              <a:rPr lang="en-US" altLang="zh-CN" dirty="0"/>
+              <a:t>().</a:t>
             </a:r>
             <a:r>
               <a:rPr lang="en-US" altLang="zh-CN" dirty="0" err="1"/>
-              <a:t>goodsCode</a:t>
-            </a:r>
-            <a:r>
-              <a:rPr lang="en-US" altLang="zh-CN" dirty="0" smtClean="0"/>
-              <a:t>={“pId”:“123456”}</a:t>
-            </a:r>
-            <a:r>
-              <a:rPr lang="zh-CN" altLang="en-US" dirty="0" smtClean="0"/>
-              <a:t>是没有区别的</a:t>
+              <a:t>addCookie</a:t>
+            </a:r>
+            <a:r>
+              <a:rPr lang="en-US" altLang="zh-CN" dirty="0"/>
+              <a:t>(</a:t>
+            </a:r>
+            <a:r>
+              <a:rPr lang="en-US" altLang="zh-CN" dirty="0" err="1"/>
+              <a:t>i.next</a:t>
+            </a:r>
+            <a:r>
+              <a:rPr lang="en-US" altLang="zh-CN" dirty="0"/>
+              <a:t>());</a:t>
+            </a:r>
+          </a:p>
+          <a:p>
+            <a:pPr marL="0" indent="0">
+              <a:buNone/>
+            </a:pPr>
+            <a:r>
+              <a:rPr lang="zh-CN" altLang="en-US" dirty="0"/>
+              <a:t>        </a:t>
+            </a:r>
+            <a:r>
+              <a:rPr lang="en-US" altLang="zh-CN" dirty="0"/>
+              <a:t>}</a:t>
             </a:r>
             <a:endParaRPr lang="zh-CN" altLang="en-US" dirty="0"/>
           </a:p>
@@ -3373,14 +3196,22 @@
           </a:bodyPr>
           <a:lstStyle/>
           <a:p>
-            <a:endParaRPr lang="zh-CN" altLang="en-US"/>
+            <a:r>
+              <a:rPr lang="en-US" altLang="zh-CN" dirty="0" smtClean="0"/>
+              <a:t>Cookie</a:t>
+            </a:r>
+            <a:r>
+              <a:rPr lang="zh-CN" altLang="en-US" dirty="0" smtClean="0"/>
+              <a:t>的管理</a:t>
+            </a:r>
+            <a:endParaRPr lang="zh-CN" altLang="en-US" dirty="0"/>
           </a:p>
         </p:txBody>
       </p:sp>
     </p:spTree>
     <p:extLst>
       <p:ext uri="{BB962C8B-B14F-4D97-AF65-F5344CB8AC3E}">
-        <p14:creationId xmlns:p14="http://schemas.microsoft.com/office/powerpoint/2010/main" val="1539749203"/>
+        <p14:creationId xmlns:p14="http://schemas.microsoft.com/office/powerpoint/2010/main" val="885985982"/>
       </p:ext>
     </p:extLst>
   </p:cSld>
@@ -3427,52 +3258,24 @@
         <p:spPr/>
         <p:txBody>
           <a:bodyPr>
-            <a:normAutofit fontScale="77500" lnSpcReduction="20000"/>
+            <a:noAutofit/>
           </a:bodyPr>
           <a:lstStyle/>
-          <a:p>
-            <a:r>
-              <a:rPr lang="zh-CN" altLang="en-US" dirty="0" smtClean="0"/>
-              <a:t>获得</a:t>
-            </a:r>
-            <a:r>
-              <a:rPr lang="en-US" altLang="zh-CN" dirty="0" smtClean="0"/>
-              <a:t>Cookie</a:t>
-            </a:r>
-          </a:p>
           <a:p>
             <a:pPr marL="0" indent="0">
               <a:buNone/>
             </a:pPr>
             <a:r>
-              <a:rPr lang="en-US" altLang="zh-CN" dirty="0"/>
-              <a:t>Set&lt;Cookie&gt; cookies = </a:t>
-            </a:r>
-            <a:r>
-              <a:rPr lang="en-US" altLang="zh-CN" dirty="0" smtClean="0"/>
-              <a:t>client1.getCookieManager</a:t>
-            </a:r>
-            <a:r>
-              <a:rPr lang="en-US" altLang="zh-CN" dirty="0"/>
-              <a:t>().</a:t>
-            </a:r>
-            <a:r>
-              <a:rPr lang="en-US" altLang="zh-CN" dirty="0" err="1"/>
-              <a:t>getCookies</a:t>
-            </a:r>
-            <a:r>
-              <a:rPr lang="en-US" altLang="zh-CN" dirty="0" smtClean="0"/>
+              <a:rPr lang="en-US" altLang="zh-CN" sz="2400" dirty="0"/>
+              <a:t>List list=new </a:t>
+            </a:r>
+            <a:r>
+              <a:rPr lang="en-US" altLang="zh-CN" sz="2400" dirty="0" err="1"/>
+              <a:t>ArrayList</a:t>
+            </a:r>
+            <a:r>
+              <a:rPr lang="en-US" altLang="zh-CN" sz="2400" dirty="0"/>
               <a:t>();</a:t>
-            </a:r>
-          </a:p>
-          <a:p>
-            <a:r>
-              <a:rPr lang="zh-CN" altLang="en-US" dirty="0" smtClean="0"/>
-              <a:t>使用</a:t>
-            </a:r>
-            <a:r>
-              <a:rPr lang="en-US" altLang="zh-CN" dirty="0" smtClean="0"/>
-              <a:t>Cookie</a:t>
             </a:r>
           </a:p>
           <a:p>
@@ -3480,45 +3283,50 @@
               <a:buNone/>
             </a:pPr>
             <a:r>
-              <a:rPr lang="en-US" altLang="zh-CN" dirty="0"/>
-              <a:t>Iterator&lt;Cookie&gt; i </a:t>
-            </a:r>
-            <a:r>
-              <a:rPr lang="en-US" altLang="zh-CN" dirty="0" smtClean="0"/>
-              <a:t>=</a:t>
-            </a:r>
-            <a:r>
-              <a:rPr lang="en-US" altLang="zh-CN" dirty="0"/>
-              <a:t>cookies .</a:t>
-            </a:r>
-            <a:r>
-              <a:rPr lang="en-US" altLang="zh-CN" b="1" dirty="0" smtClean="0"/>
-              <a:t>iterator</a:t>
-            </a:r>
-            <a:r>
-              <a:rPr lang="en-US" altLang="zh-CN" b="1" dirty="0"/>
-              <a:t>();</a:t>
-            </a:r>
+              <a:rPr lang="en-US" altLang="zh-CN" sz="2400" dirty="0" err="1" smtClean="0"/>
+              <a:t>NameValuePair</a:t>
+            </a:r>
+            <a:r>
+              <a:rPr lang="en-US" altLang="zh-CN" sz="2400" dirty="0" smtClean="0"/>
+              <a:t> </a:t>
+            </a:r>
+            <a:r>
+              <a:rPr lang="en-US" altLang="zh-CN" sz="2400" dirty="0" err="1"/>
+              <a:t>param</a:t>
+            </a:r>
+            <a:r>
+              <a:rPr lang="en-US" altLang="zh-CN" sz="2400" dirty="0"/>
+              <a:t>=new </a:t>
+            </a:r>
+            <a:r>
+              <a:rPr lang="en-US" altLang="zh-CN" sz="2400" dirty="0" err="1"/>
+              <a:t>NameValuePair</a:t>
+            </a:r>
+            <a:r>
+              <a:rPr lang="en-US" altLang="zh-CN" sz="2400" dirty="0" smtClean="0"/>
+              <a:t>(“”,””);</a:t>
+            </a:r>
+            <a:endParaRPr lang="en-US" altLang="zh-CN" sz="2400" dirty="0"/>
           </a:p>
           <a:p>
             <a:pPr marL="0" indent="0">
               <a:buNone/>
             </a:pPr>
             <a:r>
-              <a:rPr lang="en-US" altLang="zh-CN" dirty="0"/>
-              <a:t>        </a:t>
-            </a:r>
-            <a:r>
-              <a:rPr lang="en-US" altLang="zh-CN" b="1" dirty="0"/>
-              <a:t>while (</a:t>
-            </a:r>
-            <a:r>
-              <a:rPr lang="en-US" altLang="zh-CN" b="1" dirty="0" err="1"/>
-              <a:t>i.hasNext</a:t>
-            </a:r>
-            <a:r>
-              <a:rPr lang="en-US" altLang="zh-CN" b="1" dirty="0"/>
-              <a:t>()) </a:t>
+              <a:rPr lang="en-US" altLang="zh-CN" sz="2400" dirty="0" err="1"/>
+              <a:t>list.add</a:t>
+            </a:r>
+            <a:r>
+              <a:rPr lang="en-US" altLang="zh-CN" sz="2400" dirty="0"/>
+              <a:t>(</a:t>
+            </a:r>
+            <a:r>
+              <a:rPr lang="en-US" altLang="zh-CN" sz="2400" dirty="0" err="1"/>
+              <a:t>param</a:t>
+            </a:r>
+            <a:r>
+              <a:rPr lang="en-US" altLang="zh-CN" sz="2400" dirty="0"/>
+              <a:t>);</a:t>
             </a:r>
           </a:p>
           <a:p>
@@ -3526,60 +3334,22 @@
               <a:buNone/>
             </a:pPr>
             <a:r>
-              <a:rPr lang="zh-CN" altLang="en-US" dirty="0"/>
-              <a:t>        </a:t>
-            </a:r>
-            <a:r>
-              <a:rPr lang="en-US" altLang="zh-CN" dirty="0"/>
-              <a:t>{</a:t>
-            </a:r>
-          </a:p>
-          <a:p>
-            <a:pPr marL="0" indent="0">
-              <a:buNone/>
-            </a:pPr>
-            <a:r>
-              <a:rPr lang="en-US" altLang="zh-CN" dirty="0"/>
-              <a:t>        </a:t>
-            </a:r>
-            <a:r>
-              <a:rPr lang="en-US" altLang="zh-CN" dirty="0" smtClean="0"/>
-              <a:t>client2.getCookieManager</a:t>
-            </a:r>
-            <a:r>
-              <a:rPr lang="en-US" altLang="zh-CN" dirty="0"/>
-              <a:t>().</a:t>
-            </a:r>
-            <a:r>
-              <a:rPr lang="en-US" altLang="zh-CN" dirty="0" err="1"/>
-              <a:t>addCookie</a:t>
-            </a:r>
-            <a:r>
-              <a:rPr lang="en-US" altLang="zh-CN" dirty="0"/>
-              <a:t>(</a:t>
-            </a:r>
-            <a:r>
-              <a:rPr lang="en-US" altLang="zh-CN" dirty="0" err="1"/>
-              <a:t>i.next</a:t>
-            </a:r>
-            <a:r>
-              <a:rPr lang="en-US" altLang="zh-CN" dirty="0"/>
-              <a:t>());</a:t>
-            </a:r>
-          </a:p>
-          <a:p>
-            <a:pPr marL="0" indent="0">
-              <a:buNone/>
-            </a:pPr>
-            <a:r>
-              <a:rPr lang="zh-CN" altLang="en-US" dirty="0"/>
-              <a:t>        </a:t>
-            </a:r>
-            <a:r>
-              <a:rPr lang="en-US" altLang="zh-CN" dirty="0"/>
-              <a:t>}</a:t>
-            </a:r>
-            <a:endParaRPr lang="zh-CN" altLang="en-US" dirty="0"/>
+              <a:rPr lang="zh-CN" altLang="en-US" sz="2400" dirty="0" smtClean="0"/>
+              <a:t>       </a:t>
+            </a:r>
+            <a:r>
+              <a:rPr lang="en-US" altLang="zh-CN" sz="2400" dirty="0" err="1" smtClean="0"/>
+              <a:t>request.setRequestParameters</a:t>
+            </a:r>
+            <a:r>
+              <a:rPr lang="en-US" altLang="zh-CN" sz="2400" dirty="0" smtClean="0"/>
+              <a:t>(list</a:t>
+            </a:r>
+            <a:r>
+              <a:rPr lang="en-US" altLang="zh-CN" sz="2400" dirty="0"/>
+              <a:t>);</a:t>
+            </a:r>
+            <a:endParaRPr lang="zh-CN" altLang="en-US" sz="2400" dirty="0"/>
           </a:p>
         </p:txBody>
       </p:sp>
@@ -3602,11 +3372,11 @@
           <a:p>
             <a:r>
               <a:rPr lang="en-US" altLang="zh-CN" dirty="0" smtClean="0"/>
-              <a:t>Cookie</a:t>
+              <a:t>URL</a:t>
             </a:r>
             <a:r>
               <a:rPr lang="zh-CN" altLang="en-US" dirty="0" smtClean="0"/>
-              <a:t>的管理</a:t>
+              <a:t>中参数的管理</a:t>
             </a:r>
             <a:endParaRPr lang="zh-CN" altLang="en-US" dirty="0"/>
           </a:p>
@@ -3615,20 +3385,13 @@
     </p:spTree>
     <p:extLst>
       <p:ext uri="{BB962C8B-B14F-4D97-AF65-F5344CB8AC3E}">
-        <p14:creationId xmlns:p14="http://schemas.microsoft.com/office/powerpoint/2010/main" val="885985982"/>
+        <p14:creationId xmlns:p14="http://schemas.microsoft.com/office/powerpoint/2010/main" val="767438906"/>
       </p:ext>
     </p:extLst>
   </p:cSld>
   <p:clrMapOvr>
     <a:masterClrMapping/>
   </p:clrMapOvr>
-  <p:timing>
-    <p:tnLst>
-      <p:par>
-        <p:cTn id="1" dur="indefinite" restart="never" nodeType="tmRoot"/>
-      </p:par>
-    </p:tnLst>
-  </p:timing>
 </p:sld>
 </file>
 
@@ -3640,7 +3403,7 @@
         <a:sysClr val="windowText" lastClr="000000"/>
       </a:dk1>
       <a:lt1>
-        <a:sysClr val="window" lastClr="CCE8CF"/>
+        <a:sysClr val="window" lastClr="FFFFFF"/>
       </a:lt1>
       <a:dk2>
         <a:srgbClr val="1F497D"/>
@@ -3923,7 +3686,7 @@
         <a:sysClr val="windowText" lastClr="000000"/>
       </a:dk1>
       <a:lt1>
-        <a:sysClr val="window" lastClr="CCE8CF"/>
+        <a:sysClr val="window" lastClr="FFFFFF"/>
       </a:lt1>
       <a:dk2>
         <a:srgbClr val="1F497D"/>
